--- a/Reports and PPT/PPT.pptx
+++ b/Reports and PPT/PPT.pptx
@@ -9003,7 +9003,7 @@
           <a:p>
             <a:r>
               <a:rPr lang="en-US" sz="2800" dirty="0"/>
-              <a:t>Analyzing the customers booking pattern, and to promote offers if any customer does not book a ride for at most 6 months.</a:t>
+              <a:t>Analyzing the customers booking pattern, and to promote offers if any customer does not book a ride for more than 7 months.</a:t>
             </a:r>
           </a:p>
           <a:p>
@@ -9016,7 +9016,7 @@
             </a:r>
             <a:r>
               <a:rPr lang="en-US" sz="2800" dirty="0"/>
-              <a:t>: Based on the ride transaction and customers data, we generated report of customers inactive for more than 6 months.</a:t>
+              <a:t>: Based on the ride transaction and customers data, we generated report of customers inactive for more than 7 months.</a:t>
             </a:r>
           </a:p>
           <a:p>
@@ -13937,21 +13937,6 @@
 </file>
 
 <file path=customXml/item1.xml><?xml version="1.0" encoding="utf-8"?>
-<p:properties xmlns:p="http://schemas.microsoft.com/office/2006/metadata/properties" xmlns:xsi="http://www.w3.org/2001/XMLSchema-instance" xmlns:pc="http://schemas.microsoft.com/office/infopath/2007/PartnerControls">
-  <documentManagement/>
-</p:properties>
-</file>
-
-<file path=customXml/item2.xml><?xml version="1.0" encoding="utf-8"?>
-<?mso-contentType ?>
-<FormTemplates xmlns="http://schemas.microsoft.com/sharepoint/v3/contenttype/forms">
-  <Display>DocumentLibraryForm</Display>
-  <Edit>DocumentLibraryForm</Edit>
-  <New>DocumentLibraryForm</New>
-</FormTemplates>
-</file>
-
-<file path=customXml/item3.xml><?xml version="1.0" encoding="utf-8"?>
 <ct:contentTypeSchema xmlns:ct="http://schemas.microsoft.com/office/2006/metadata/contentType" xmlns:ma="http://schemas.microsoft.com/office/2006/metadata/properties/metaAttributes" ct:_="" ma:_="" ma:contentTypeName="Document" ma:contentTypeID="0x01010048677940B237604BAA9570433D2884FA" ma:contentTypeVersion="8" ma:contentTypeDescription="Create a new document." ma:contentTypeScope="" ma:versionID="c156fe6fba98ecdb000cd2b3835db5e0">
   <xsd:schema xmlns:xsd="http://www.w3.org/2001/XMLSchema" xmlns:xs="http://www.w3.org/2001/XMLSchema" xmlns:p="http://schemas.microsoft.com/office/2006/metadata/properties" xmlns:ns2="6ad665f0-190f-4080-bdcb-f8403a16f095" targetNamespace="http://schemas.microsoft.com/office/2006/metadata/properties" ma:root="true" ma:fieldsID="c290233b53c221405d86cf4414d83721" ns2:_="">
     <xsd:import namespace="6ad665f0-190f-4080-bdcb-f8403a16f095"/>
@@ -14123,24 +14108,22 @@
 </ct:contentTypeSchema>
 </file>
 
-<file path=customXml/itemProps1.xml><?xml version="1.0" encoding="utf-8"?>
-<ds:datastoreItem xmlns:ds="http://schemas.openxmlformats.org/officeDocument/2006/customXml" ds:itemID="{4CA742CC-1195-443B-B144-0A5D680D91F9}">
-  <ds:schemaRefs>
-    <ds:schemaRef ds:uri="http://schemas.microsoft.com/office/2006/metadata/properties"/>
-    <ds:schemaRef ds:uri="http://schemas.microsoft.com/office/infopath/2007/PartnerControls"/>
-  </ds:schemaRefs>
-</ds:datastoreItem>
+<file path=customXml/item2.xml><?xml version="1.0" encoding="utf-8"?>
+<p:properties xmlns:p="http://schemas.microsoft.com/office/2006/metadata/properties" xmlns:xsi="http://www.w3.org/2001/XMLSchema-instance" xmlns:pc="http://schemas.microsoft.com/office/infopath/2007/PartnerControls">
+  <documentManagement/>
+</p:properties>
 </file>
 
-<file path=customXml/itemProps2.xml><?xml version="1.0" encoding="utf-8"?>
-<ds:datastoreItem xmlns:ds="http://schemas.openxmlformats.org/officeDocument/2006/customXml" ds:itemID="{F5F9C605-29EE-4B57-90C8-1E4CC57FBF5E}">
-  <ds:schemaRefs>
-    <ds:schemaRef ds:uri="http://schemas.microsoft.com/sharepoint/v3/contenttype/forms"/>
-  </ds:schemaRefs>
-</ds:datastoreItem>
+<file path=customXml/item3.xml><?xml version="1.0" encoding="utf-8"?>
+<?mso-contentType ?>
+<FormTemplates xmlns="http://schemas.microsoft.com/sharepoint/v3/contenttype/forms">
+  <Display>DocumentLibraryForm</Display>
+  <Edit>DocumentLibraryForm</Edit>
+  <New>DocumentLibraryForm</New>
+</FormTemplates>
 </file>
 
-<file path=customXml/itemProps3.xml><?xml version="1.0" encoding="utf-8"?>
+<file path=customXml/itemProps1.xml><?xml version="1.0" encoding="utf-8"?>
 <ds:datastoreItem xmlns:ds="http://schemas.openxmlformats.org/officeDocument/2006/customXml" ds:itemID="{BBD161C3-3380-49FD-9BFA-2AA7FEDE535E}">
   <ds:schemaRefs>
     <ds:schemaRef ds:uri="http://schemas.microsoft.com/office/2006/metadata/contentType"/>
@@ -14156,4 +14139,21 @@
     <ds:schemaRef ds:uri="http://schemas.microsoft.com/internal/obd"/>
   </ds:schemaRefs>
 </ds:datastoreItem>
+</file>
+
+<file path=customXml/itemProps2.xml><?xml version="1.0" encoding="utf-8"?>
+<ds:datastoreItem xmlns:ds="http://schemas.openxmlformats.org/officeDocument/2006/customXml" ds:itemID="{4CA742CC-1195-443B-B144-0A5D680D91F9}">
+  <ds:schemaRefs>
+    <ds:schemaRef ds:uri="http://schemas.microsoft.com/office/2006/metadata/properties"/>
+    <ds:schemaRef ds:uri="http://schemas.microsoft.com/office/infopath/2007/PartnerControls"/>
+  </ds:schemaRefs>
+</ds:datastoreItem>
+</file>
+
+<file path=customXml/itemProps3.xml><?xml version="1.0" encoding="utf-8"?>
+<ds:datastoreItem xmlns:ds="http://schemas.openxmlformats.org/officeDocument/2006/customXml" ds:itemID="{F5F9C605-29EE-4B57-90C8-1E4CC57FBF5E}">
+  <ds:schemaRefs>
+    <ds:schemaRef ds:uri="http://schemas.microsoft.com/sharepoint/v3/contenttype/forms"/>
+  </ds:schemaRefs>
+</ds:datastoreItem>
 </file>